--- a/Banner/Recomendador Fuzzy Banner - A3.pptx
+++ b/Banner/Recomendador Fuzzy Banner - A3.pptx
@@ -3609,20 +3609,13 @@
               </a:rPr>
               <a:t>Definição dos conjuntos fuzzy e funções de pertinência</a:t>
             </a:r>
-            <a:br>
+            <a:r>
               <a:rPr lang="pt-BR" sz="3200">
                 <a:solidFill>
                   <a:schemeClr val="dk1"/>
                 </a:solidFill>
               </a:rPr>
-            </a:br>
-            <a:r>
-              <a:rPr lang="pt-BR" sz="3200">
-                <a:solidFill>
-                  <a:schemeClr val="dk1"/>
-                </a:solidFill>
-              </a:rPr>
-              <a:t>	A princípio, são estabelecidos os universos de discurso e os conjuntos fuzzy das variáveis de entrada e saída, emoção, tensão, complexidade da narrativa e gênero do filme. Cada um dos valores linguísticos desses conjuntos é representado por uma função de pertinência que atribui valores numéricos entre 0 e 1, indicando o grau de pertencimento do valor analisado para a variável linguística correspondente.</a:t>
+              <a:t>: A princípio, são estabelecidos os universos de discurso e os conjuntos fuzzy das variáveis de entrada e saída, emoção, tensão, complexidade da narrativa e gênero do filme. Cada um dos valores linguísticos desses conjuntos é representado por uma função de pertinência que atribui valores numéricos entre 0 e 1, indicando o grau de pertencimento do valor analisado para a variável linguística correspondente.</a:t>
             </a:r>
             <a:endParaRPr sz="3200">
               <a:solidFill>
@@ -3650,22 +3643,7 @@
                   <a:schemeClr val="dk1"/>
                 </a:solidFill>
               </a:rPr>
-              <a:t>Inferência fuzzy baseada em regras</a:t>
-            </a:r>
-            <a:br>
-              <a:rPr b="1" lang="pt-BR" sz="3200">
-                <a:solidFill>
-                  <a:schemeClr val="dk1"/>
-                </a:solidFill>
-              </a:rPr>
-            </a:br>
-            <a:r>
-              <a:rPr b="1" lang="pt-BR" sz="3200">
-                <a:solidFill>
-                  <a:schemeClr val="dk1"/>
-                </a:solidFill>
-              </a:rPr>
-              <a:t>	</a:t>
+              <a:t>Inferência fuzzy baseada em regras: </a:t>
             </a:r>
             <a:r>
               <a:rPr lang="pt-BR" sz="3200">
@@ -3701,22 +3679,7 @@
                   <a:schemeClr val="dk1"/>
                 </a:solidFill>
               </a:rPr>
-              <a:t>Agregação e defuzzificação</a:t>
-            </a:r>
-            <a:br>
-              <a:rPr b="1" lang="pt-BR" sz="3200">
-                <a:solidFill>
-                  <a:schemeClr val="dk1"/>
-                </a:solidFill>
-              </a:rPr>
-            </a:br>
-            <a:r>
-              <a:rPr b="1" lang="pt-BR" sz="3200">
-                <a:solidFill>
-                  <a:schemeClr val="dk1"/>
-                </a:solidFill>
-              </a:rPr>
-              <a:t>	</a:t>
+              <a:t>Agregação e defuzzificação: </a:t>
             </a:r>
             <a:r>
               <a:rPr lang="pt-BR" sz="3200">
